--- a/Report.pptx
+++ b/Report.pptx
@@ -18910,7 +18910,7 @@
         <p:spPr>
           <a:xfrm>
             <a:off x="548244" y="1666504"/>
-            <a:ext cx="10739251" cy="2800767"/>
+            <a:ext cx="10739251" cy="3139321"/>
           </a:xfrm>
           <a:prstGeom prst="rect">
             <a:avLst/>
@@ -18931,35 +18931,16 @@
               <a:buChar char="•"/>
             </a:pPr>
             <a:r>
-              <a:rPr lang="en-US" sz="1600" dirty="0">
-                <a:solidFill>
-                  <a:srgbClr val="ECECEC"/>
-                </a:solidFill>
-                <a:ea typeface="+mn-lt"/>
-                <a:cs typeface="+mn-lt"/>
-              </a:rPr>
+              <a:rPr lang="en-US" dirty="0"/>
               <a:t>We employed Selenium, a web automation tool, along with Beautiful Soup, a Python library for web scraping, to systematically gather images from search engine results pages. </a:t>
             </a:r>
-            <a:endParaRPr lang="en-US" sz="1600">
-              <a:solidFill>
-                <a:srgbClr val="FFFFFF"/>
-              </a:solidFill>
-              <a:ea typeface="+mn-lt"/>
-              <a:cs typeface="+mn-lt"/>
-            </a:endParaRPr>
           </a:p>
           <a:p>
             <a:pPr>
               <a:buFont typeface="Arial"/>
               <a:buChar char="•"/>
             </a:pPr>
-            <a:endParaRPr lang="en-US" sz="1600" dirty="0">
-              <a:solidFill>
-                <a:srgbClr val="ECECEC"/>
-              </a:solidFill>
-              <a:ea typeface="+mn-lt"/>
-              <a:cs typeface="+mn-lt"/>
-            </a:endParaRPr>
+            <a:endParaRPr lang="en-US" dirty="0"/>
           </a:p>
           <a:p>
             <a:pPr>
@@ -18967,55 +18948,24 @@
               <a:buChar char="•"/>
             </a:pPr>
             <a:r>
-              <a:rPr lang="en-US" sz="1600" dirty="0">
-                <a:solidFill>
-                  <a:srgbClr val="ECECEC"/>
-                </a:solidFill>
-                <a:ea typeface="+mn-lt"/>
-                <a:cs typeface="+mn-lt"/>
-              </a:rPr>
+              <a:rPr lang="en-US" dirty="0"/>
               <a:t>Additionally, </a:t>
             </a:r>
             <a:r>
-              <a:rPr lang="en-US" sz="1600" err="1">
-                <a:solidFill>
-                  <a:srgbClr val="ECECEC"/>
-                </a:solidFill>
-                <a:ea typeface="+mn-lt"/>
-                <a:cs typeface="+mn-lt"/>
-              </a:rPr>
+              <a:rPr lang="en-US" dirty="0" err="1"/>
               <a:t>PyImage</a:t>
             </a:r>
             <a:r>
-              <a:rPr lang="en-US" sz="1600" dirty="0">
-                <a:solidFill>
-                  <a:srgbClr val="ECECEC"/>
-                </a:solidFill>
-                <a:ea typeface="+mn-lt"/>
-                <a:cs typeface="+mn-lt"/>
-              </a:rPr>
+              <a:rPr lang="en-US" dirty="0"/>
               <a:t> was utilized to craft search queries specifically targeting AI-generated and real images, ensuring the collection of relevant and diverse samples.</a:t>
             </a:r>
-            <a:endParaRPr lang="en-US" sz="1600" dirty="0">
-              <a:solidFill>
-                <a:srgbClr val="FFFFFF"/>
-              </a:solidFill>
-              <a:ea typeface="+mn-lt"/>
-              <a:cs typeface="+mn-lt"/>
-            </a:endParaRPr>
           </a:p>
           <a:p>
             <a:pPr>
               <a:buFont typeface="Arial"/>
               <a:buChar char="•"/>
             </a:pPr>
-            <a:endParaRPr lang="en-US" sz="1600" dirty="0">
-              <a:solidFill>
-                <a:srgbClr val="ECECEC"/>
-              </a:solidFill>
-              <a:ea typeface="+mn-lt"/>
-              <a:cs typeface="+mn-lt"/>
-            </a:endParaRPr>
+            <a:endParaRPr lang="en-US" dirty="0"/>
           </a:p>
           <a:p>
             <a:pPr>
@@ -19023,35 +18973,16 @@
               <a:buChar char="•"/>
             </a:pPr>
             <a:r>
-              <a:rPr lang="en-US" sz="1600" dirty="0">
-                <a:solidFill>
-                  <a:srgbClr val="ECECEC"/>
-                </a:solidFill>
-                <a:ea typeface="+mn-lt"/>
-                <a:cs typeface="+mn-lt"/>
-              </a:rPr>
+              <a:rPr lang="en-US" dirty="0"/>
               <a:t> Following data collection, rigorous preprocessing techniques were applied to standardize the images to a uniform size, facilitating seamless integration into the neural network model. </a:t>
             </a:r>
-            <a:endParaRPr lang="en-US" sz="1600">
-              <a:solidFill>
-                <a:srgbClr val="FFFFFF"/>
-              </a:solidFill>
-              <a:ea typeface="+mn-lt"/>
-              <a:cs typeface="+mn-lt"/>
-            </a:endParaRPr>
           </a:p>
           <a:p>
             <a:pPr>
               <a:buFont typeface="Arial"/>
               <a:buChar char="•"/>
             </a:pPr>
-            <a:endParaRPr lang="en-US" sz="1600" dirty="0">
-              <a:solidFill>
-                <a:srgbClr val="ECECEC"/>
-              </a:solidFill>
-              <a:ea typeface="+mn-lt"/>
-              <a:cs typeface="+mn-lt"/>
-            </a:endParaRPr>
+            <a:endParaRPr lang="en-US" dirty="0"/>
           </a:p>
           <a:p>
             <a:pPr>
@@ -19059,19 +18990,9 @@
               <a:buChar char="•"/>
             </a:pPr>
             <a:r>
-              <a:rPr lang="en-US" sz="1600" dirty="0">
-                <a:solidFill>
-                  <a:srgbClr val="ECECEC"/>
-                </a:solidFill>
-                <a:ea typeface="+mn-lt"/>
-                <a:cs typeface="+mn-lt"/>
-              </a:rPr>
+              <a:rPr lang="en-US" dirty="0"/>
               <a:t>By combining these methods, we curated a high-quality dataset primed for training an accurate and robust image classifier capable of discerning between AI-generated and real images effectively.</a:t>
             </a:r>
-            <a:endParaRPr lang="en-US" sz="1600">
-              <a:ea typeface="+mn-lt"/>
-              <a:cs typeface="+mn-lt"/>
-            </a:endParaRPr>
           </a:p>
         </p:txBody>
       </p:sp>
@@ -19204,7 +19125,6 @@
               <a:rPr lang="en-US" dirty="0"/>
               <a:t>Adam was used as the optimizer and Sparse Categorical Cross-entropy was used as the loss function.</a:t>
             </a:r>
-            <a:endParaRPr lang="en-US"/>
           </a:p>
           <a:p>
             <a:endParaRPr lang="en-US" dirty="0"/>
@@ -21133,7 +21053,22 @@
           <a:bodyPr/>
           <a:lstStyle/>
           <a:p>
-            <a:endParaRPr lang="en-US"/>
+            <a:r>
+              <a:rPr lang="en-US" dirty="0"/>
+              <a:t>The project aimed to develop an AI image classifier capable of distinguishing between AI-generated and real images to address concerns surrounding the spread of misinformation and the authenticity of visual content in the digital realm.</a:t>
+            </a:r>
+          </a:p>
+          <a:p>
+            <a:r>
+              <a:rPr lang="en-US" dirty="0"/>
+              <a:t> Using web scraping techniques and publicly available datasets, a comprehensive dataset of images was collected and preprocessed to ensure uniformity and quality. </a:t>
+            </a:r>
+          </a:p>
+          <a:p>
+            <a:r>
+              <a:rPr lang="en-US" dirty="0"/>
+              <a:t>The model architecture, comprising convolutional layers, max-pooling layers, and dropout regularization, was designed to effectively process and classify visual data. Through rigorous training and evaluation, the model learned to accurately differentiate between AI-generated and real images. In future, we aim to deploy this project as a user-friendly application facilitates its accessibility and usability, empowering individuals to verify the authenticity of images and combat the proliferation of manipulated media.</a:t>
+            </a:r>
           </a:p>
         </p:txBody>
       </p:sp>
@@ -22221,8 +22156,8 @@
         </p:nvSpPr>
         <p:spPr>
           <a:xfrm>
-            <a:off x="550863" y="196900"/>
-            <a:ext cx="4159160" cy="2017849"/>
+            <a:off x="550863" y="196901"/>
+            <a:ext cx="4159160" cy="1463224"/>
           </a:xfrm>
           <a:noFill/>
         </p:spPr>
@@ -22257,7 +22192,7 @@
         </p:nvSpPr>
         <p:spPr>
           <a:xfrm>
-            <a:off x="547271" y="2436421"/>
+            <a:off x="547271" y="1921517"/>
             <a:ext cx="3526889" cy="3460719"/>
           </a:xfrm>
           <a:noFill/>
@@ -22281,7 +22216,7 @@
               </a:rPr>
               <a:t>The motivation behind this project is to combat the proliferation of deepfakes, which threaten to erode trust in visual media and facilitate the spread of misinformation. By developing an AI image classifier capable of distinguishing between authentic and AI-generated images, we aim to empower individuals to critically evaluate digital content and uphold the integrity of online information. </a:t>
             </a:r>
-            <a:endParaRPr lang="en-US" sz="1800">
+            <a:endParaRPr lang="en-US" sz="1800" dirty="0">
               <a:solidFill>
                 <a:srgbClr val="ECECEC"/>
               </a:solidFill>
@@ -22625,7 +22560,7 @@
           <a:lstStyle/>
           <a:p>
             <a:r>
-              <a:rPr lang="en-US"/>
+              <a:rPr lang="en-US" dirty="0"/>
               <a:t>Literature Review</a:t>
             </a:r>
           </a:p>
@@ -22654,6 +22589,50 @@
           </a:bodyPr>
           <a:lstStyle/>
           <a:p>
+            <a:r>
+              <a:rPr lang="en-US" dirty="0" err="1"/>
+              <a:t>Carlini</a:t>
+            </a:r>
+            <a:r>
+              <a:rPr lang="en-US" dirty="0"/>
+              <a:t>, Nicholas, and Hany Farid. "Evading deepfake-image detectors with white-and black-box attacks." In Proceedings of the IEEE/CVF conference on computer vision and pattern recognition workshops, pp. 658-659. 2020.</a:t>
+            </a:r>
+          </a:p>
+          <a:p>
+            <a:r>
+              <a:rPr lang="en-US" dirty="0"/>
+              <a:t>Khoo, Brandon, Raphaël C‐W. Phan, and </a:t>
+            </a:r>
+            <a:r>
+              <a:rPr lang="en-US" dirty="0" err="1"/>
+              <a:t>Chern</a:t>
+            </a:r>
+            <a:r>
+              <a:rPr lang="en-US" dirty="0"/>
+              <a:t>‐Hong Lim. "Deepfake attribution: On the source identification of artificially generated images." Wiley Interdisciplinary Reviews: Data Mining and Knowledge Discovery 12, no. 3 (2022): e1438.</a:t>
+            </a:r>
+          </a:p>
+          <a:p>
+            <a:r>
+              <a:rPr lang="en-IN" dirty="0"/>
+              <a:t>Cao, </a:t>
+            </a:r>
+            <a:r>
+              <a:rPr lang="en-IN" dirty="0" err="1"/>
+              <a:t>Xiaoyu</a:t>
+            </a:r>
+            <a:r>
+              <a:rPr lang="en-IN" dirty="0"/>
+              <a:t>, and Neil </a:t>
+            </a:r>
+            <a:r>
+              <a:rPr lang="en-IN" dirty="0" err="1"/>
+              <a:t>Zhenqiang</a:t>
+            </a:r>
+            <a:r>
+              <a:rPr lang="en-IN" dirty="0"/>
+              <a:t> Gong. "Understanding the security of deepfake detection." In International Conference on Digital Forensics and Cyber Crime, pp. 360-378. Cham: Springer International Publishing, 2021.</a:t>
+            </a:r>
             <a:endParaRPr lang="en-US" dirty="0"/>
           </a:p>
         </p:txBody>
@@ -22850,41 +22829,31 @@
             <p:ph sz="half" idx="1"/>
           </p:nvPr>
         </p:nvSpPr>
-        <p:spPr/>
+        <p:spPr>
+          <a:xfrm>
+            <a:off x="550862" y="2097175"/>
+            <a:ext cx="11090274" cy="3995650"/>
+          </a:xfrm>
+        </p:spPr>
         <p:txBody>
           <a:bodyPr vert="horz" wrap="square" lIns="0" tIns="0" rIns="0" bIns="0" rtlCol="0" anchor="t">
             <a:normAutofit/>
           </a:bodyPr>
           <a:lstStyle/>
           <a:p>
-            <a:endParaRPr lang="en-US" dirty="0"/>
-          </a:p>
-        </p:txBody>
-      </p:sp>
-      <p:sp>
-        <p:nvSpPr>
-          <p:cNvPr id="7" name="Content Placeholder 6">
-            <a:extLst>
-              <a:ext uri="{FF2B5EF4-FFF2-40B4-BE49-F238E27FC236}">
-                <a16:creationId xmlns:a16="http://schemas.microsoft.com/office/drawing/2014/main" id="{845A03A5-6D4D-7072-B3BD-F2DA38CADEB0}"/>
-              </a:ext>
-            </a:extLst>
-          </p:cNvPr>
-          <p:cNvSpPr>
-            <a:spLocks noGrp="1"/>
-          </p:cNvSpPr>
-          <p:nvPr>
-            <p:ph sz="half" idx="13"/>
-          </p:nvPr>
-        </p:nvSpPr>
-        <p:spPr/>
-        <p:txBody>
-          <a:bodyPr vert="horz" wrap="square" lIns="0" tIns="0" rIns="0" bIns="0" rtlCol="0" anchor="t">
-            <a:normAutofit/>
-          </a:bodyPr>
-          <a:lstStyle/>
-          <a:p>
-            <a:endParaRPr lang="en-US" dirty="0"/>
+            <a:br>
+              <a:rPr lang="en-US" dirty="0"/>
+            </a:br>
+            <a:r>
+              <a:rPr lang="en-US" dirty="0"/>
+              <a:t>The objective of the project is to develop an AI image classifier capable of accurately distinguishing between AI-generated and real images. This classifier aims to mitigate the spread of misinformation by providing a tool to authenticate visual content in the digital realm. </a:t>
+            </a:r>
+          </a:p>
+          <a:p>
+            <a:r>
+              <a:rPr lang="en-US" dirty="0"/>
+              <a:t>Additionally, the project seeks to promote media integrity and transparency by empowering individuals to make informed decisions about the authenticity of images they encounter online. Through the application of advanced machine learning techniques and rigorous evaluation, the project strives to contribute to a more trustworthy and reliable digital landscape.</a:t>
+            </a:r>
           </a:p>
         </p:txBody>
       </p:sp>
@@ -23693,6 +23662,35 @@
 </file>
 
 <file path=customXml/item1.xml><?xml version="1.0" encoding="utf-8"?>
+<?mso-contentType ?>
+<FormTemplates xmlns="http://schemas.microsoft.com/sharepoint/v3/contenttype/forms">
+  <Display>DocumentLibraryForm</Display>
+  <Edit>DocumentLibraryForm</Edit>
+  <New>DocumentLibraryForm</New>
+</FormTemplates>
+</file>
+
+<file path=customXml/item2.xml><?xml version="1.0" encoding="utf-8"?>
+<p:properties xmlns:p="http://schemas.microsoft.com/office/2006/metadata/properties" xmlns:xsi="http://www.w3.org/2001/XMLSchema-instance" xmlns:pc="http://schemas.microsoft.com/office/infopath/2007/PartnerControls">
+  <documentManagement>
+    <_ip_UnifiedCompliancePolicyUIAction xmlns="http://schemas.microsoft.com/sharepoint/v3" xsi:nil="true"/>
+    <Image xmlns="71af3243-3dd4-4a8d-8c0d-dd76da1f02a5">
+      <Url xsi:nil="true"/>
+      <Description xsi:nil="true"/>
+    </Image>
+    <Status xmlns="71af3243-3dd4-4a8d-8c0d-dd76da1f02a5">Not started</Status>
+    <Background xmlns="71af3243-3dd4-4a8d-8c0d-dd76da1f02a5">false</Background>
+    <_ip_UnifiedCompliancePolicyProperties xmlns="http://schemas.microsoft.com/sharepoint/v3" xsi:nil="true"/>
+    <ImageTagsTaxHTField xmlns="71af3243-3dd4-4a8d-8c0d-dd76da1f02a5">
+      <Terms xmlns="http://schemas.microsoft.com/office/infopath/2007/PartnerControls"/>
+    </ImageTagsTaxHTField>
+    <TaxCatchAll xmlns="230e9df3-be65-4c73-a93b-d1236ebd677e" xsi:nil="true"/>
+    <MediaServiceKeyPoints xmlns="71af3243-3dd4-4a8d-8c0d-dd76da1f02a5" xsi:nil="true"/>
+  </documentManagement>
+</p:properties>
+</file>
+
+<file path=customXml/item3.xml><?xml version="1.0" encoding="utf-8"?>
 <ct:contentTypeSchema xmlns:ct="http://schemas.microsoft.com/office/2006/metadata/contentType" xmlns:ma="http://schemas.microsoft.com/office/2006/metadata/properties/metaAttributes" ct:_="" ma:_="" ma:contentTypeName="Document" ma:contentTypeID="0x01010079F111ED35F8CC479449609E8A0923A6" ma:contentTypeVersion="28" ma:contentTypeDescription="Create a new document." ma:contentTypeScope="" ma:versionID="60f5a4f2d2b0abadcf532d48ebf9cb71">
   <xsd:schema xmlns:xsd="http://www.w3.org/2001/XMLSchema" xmlns:xs="http://www.w3.org/2001/XMLSchema" xmlns:p="http://schemas.microsoft.com/office/2006/metadata/properties" xmlns:ns1="http://schemas.microsoft.com/sharepoint/v3" xmlns:ns2="71af3243-3dd4-4a8d-8c0d-dd76da1f02a5" xmlns:ns3="16c05727-aa75-4e4a-9b5f-8a80a1165891" xmlns:ns4="230e9df3-be65-4c73-a93b-d1236ebd677e" targetNamespace="http://schemas.microsoft.com/office/2006/metadata/properties" ma:root="true" ma:fieldsID="7dd78129e6a1811f84807ad11c651531" ns1:_="" ns2:_="" ns3:_="" ns4:_="">
     <xsd:import namespace="http://schemas.microsoft.com/sharepoint/v3"/>
@@ -24004,52 +24002,10 @@
 </ct:contentTypeSchema>
 </file>
 
-<file path=customXml/item2.xml><?xml version="1.0" encoding="utf-8"?>
-<p:properties xmlns:p="http://schemas.microsoft.com/office/2006/metadata/properties" xmlns:xsi="http://www.w3.org/2001/XMLSchema-instance" xmlns:pc="http://schemas.microsoft.com/office/infopath/2007/PartnerControls">
-  <documentManagement>
-    <_ip_UnifiedCompliancePolicyUIAction xmlns="http://schemas.microsoft.com/sharepoint/v3" xsi:nil="true"/>
-    <Image xmlns="71af3243-3dd4-4a8d-8c0d-dd76da1f02a5">
-      <Url xsi:nil="true"/>
-      <Description xsi:nil="true"/>
-    </Image>
-    <Status xmlns="71af3243-3dd4-4a8d-8c0d-dd76da1f02a5">Not started</Status>
-    <Background xmlns="71af3243-3dd4-4a8d-8c0d-dd76da1f02a5">false</Background>
-    <_ip_UnifiedCompliancePolicyProperties xmlns="http://schemas.microsoft.com/sharepoint/v3" xsi:nil="true"/>
-    <ImageTagsTaxHTField xmlns="71af3243-3dd4-4a8d-8c0d-dd76da1f02a5">
-      <Terms xmlns="http://schemas.microsoft.com/office/infopath/2007/PartnerControls"/>
-    </ImageTagsTaxHTField>
-    <TaxCatchAll xmlns="230e9df3-be65-4c73-a93b-d1236ebd677e" xsi:nil="true"/>
-    <MediaServiceKeyPoints xmlns="71af3243-3dd4-4a8d-8c0d-dd76da1f02a5" xsi:nil="true"/>
-  </documentManagement>
-</p:properties>
-</file>
-
-<file path=customXml/item3.xml><?xml version="1.0" encoding="utf-8"?>
-<?mso-contentType ?>
-<FormTemplates xmlns="http://schemas.microsoft.com/sharepoint/v3/contenttype/forms">
-  <Display>DocumentLibraryForm</Display>
-  <Edit>DocumentLibraryForm</Edit>
-  <New>DocumentLibraryForm</New>
-</FormTemplates>
-</file>
-
 <file path=customXml/itemProps1.xml><?xml version="1.0" encoding="utf-8"?>
-<ds:datastoreItem xmlns:ds="http://schemas.openxmlformats.org/officeDocument/2006/customXml" ds:itemID="{797783A8-901D-4F73-81D7-AA6841BEB3D7}">
+<ds:datastoreItem xmlns:ds="http://schemas.openxmlformats.org/officeDocument/2006/customXml" ds:itemID="{2F49CD38-5B57-4682-9FCE-B9174068D0AE}">
   <ds:schemaRefs>
-    <ds:schemaRef ds:uri="http://schemas.microsoft.com/office/2006/metadata/contentType"/>
-    <ds:schemaRef ds:uri="http://schemas.microsoft.com/office/2006/metadata/properties/metaAttributes"/>
-    <ds:schemaRef ds:uri="http://www.w3.org/2001/XMLSchema"/>
-    <ds:schemaRef ds:uri="http://schemas.microsoft.com/office/2006/metadata/properties"/>
-    <ds:schemaRef ds:uri="http://schemas.microsoft.com/sharepoint/v3"/>
-    <ds:schemaRef ds:uri="71af3243-3dd4-4a8d-8c0d-dd76da1f02a5"/>
-    <ds:schemaRef ds:uri="16c05727-aa75-4e4a-9b5f-8a80a1165891"/>
-    <ds:schemaRef ds:uri="230e9df3-be65-4c73-a93b-d1236ebd677e"/>
-    <ds:schemaRef ds:uri="http://schemas.microsoft.com/office/2006/documentManagement/types"/>
-    <ds:schemaRef ds:uri="http://schemas.microsoft.com/office/infopath/2007/PartnerControls"/>
-    <ds:schemaRef ds:uri="http://schemas.openxmlformats.org/package/2006/metadata/core-properties"/>
-    <ds:schemaRef ds:uri="http://purl.org/dc/elements/1.1/"/>
-    <ds:schemaRef ds:uri="http://purl.org/dc/terms/"/>
-    <ds:schemaRef ds:uri="http://schemas.microsoft.com/internal/obd"/>
+    <ds:schemaRef ds:uri="http://schemas.microsoft.com/sharepoint/v3/contenttype/forms"/>
   </ds:schemaRefs>
 </ds:datastoreItem>
 </file>
@@ -24074,9 +24030,22 @@
 </file>
 
 <file path=customXml/itemProps3.xml><?xml version="1.0" encoding="utf-8"?>
-<ds:datastoreItem xmlns:ds="http://schemas.openxmlformats.org/officeDocument/2006/customXml" ds:itemID="{2F49CD38-5B57-4682-9FCE-B9174068D0AE}">
+<ds:datastoreItem xmlns:ds="http://schemas.openxmlformats.org/officeDocument/2006/customXml" ds:itemID="{797783A8-901D-4F73-81D7-AA6841BEB3D7}">
   <ds:schemaRefs>
-    <ds:schemaRef ds:uri="http://schemas.microsoft.com/sharepoint/v3/contenttype/forms"/>
+    <ds:schemaRef ds:uri="http://schemas.microsoft.com/office/2006/metadata/contentType"/>
+    <ds:schemaRef ds:uri="http://schemas.microsoft.com/office/2006/metadata/properties/metaAttributes"/>
+    <ds:schemaRef ds:uri="http://www.w3.org/2001/XMLSchema"/>
+    <ds:schemaRef ds:uri="http://schemas.microsoft.com/office/2006/metadata/properties"/>
+    <ds:schemaRef ds:uri="http://schemas.microsoft.com/sharepoint/v3"/>
+    <ds:schemaRef ds:uri="71af3243-3dd4-4a8d-8c0d-dd76da1f02a5"/>
+    <ds:schemaRef ds:uri="16c05727-aa75-4e4a-9b5f-8a80a1165891"/>
+    <ds:schemaRef ds:uri="230e9df3-be65-4c73-a93b-d1236ebd677e"/>
+    <ds:schemaRef ds:uri="http://schemas.microsoft.com/office/2006/documentManagement/types"/>
+    <ds:schemaRef ds:uri="http://schemas.microsoft.com/office/infopath/2007/PartnerControls"/>
+    <ds:schemaRef ds:uri="http://schemas.openxmlformats.org/package/2006/metadata/core-properties"/>
+    <ds:schemaRef ds:uri="http://purl.org/dc/elements/1.1/"/>
+    <ds:schemaRef ds:uri="http://purl.org/dc/terms/"/>
+    <ds:schemaRef ds:uri="http://schemas.microsoft.com/internal/obd"/>
   </ds:schemaRefs>
 </ds:datastoreItem>
 </file>

--- a/Report.pptx
+++ b/Report.pptx
@@ -19208,6 +19208,10 @@
           </p:nvPr>
         </p:nvSpPr>
         <p:spPr>
+          <a:xfrm>
+            <a:off x="2021444" y="233791"/>
+            <a:ext cx="2003801" cy="690036"/>
+          </a:xfrm>
           <a:noFill/>
         </p:spPr>
         <p:txBody>
@@ -19216,6 +19220,7 @@
           </a:bodyPr>
           <a:lstStyle/>
           <a:p>
+            <a:pPr algn="ctr"/>
             <a:r>
               <a:rPr lang="en-US" dirty="0"/>
               <a:t>Results</a:t>
@@ -19241,14 +19246,14 @@
         </p:nvSpPr>
         <p:spPr>
           <a:xfrm>
-            <a:off x="550862" y="1994783"/>
-            <a:ext cx="4713185" cy="3965962"/>
+            <a:off x="6378534" y="488315"/>
+            <a:ext cx="5404969" cy="2940685"/>
           </a:xfrm>
           <a:noFill/>
         </p:spPr>
         <p:txBody>
           <a:bodyPr vert="horz" lIns="0" tIns="45720" rIns="91440" bIns="45720" rtlCol="0" anchor="t">
-            <a:normAutofit/>
+            <a:normAutofit fontScale="92500" lnSpcReduction="20000"/>
           </a:bodyPr>
           <a:lstStyle/>
           <a:p>
@@ -19307,14 +19312,14 @@
           <p:nvPr>
             <p:extLst>
               <p:ext uri="{D42A27DB-BD31-4B8C-83A1-F6EECF244321}">
-                <p14:modId xmlns:p14="http://schemas.microsoft.com/office/powerpoint/2010/main" val="4055870532"/>
+                <p14:modId xmlns:p14="http://schemas.microsoft.com/office/powerpoint/2010/main" val="741645818"/>
               </p:ext>
             </p:extLst>
           </p:nvPr>
         </p:nvGraphicFramePr>
         <p:xfrm>
-          <a:off x="5541818" y="2276104"/>
-          <a:ext cx="5686810" cy="2964966"/>
+          <a:off x="6378535" y="3738582"/>
+          <a:ext cx="5404969" cy="2719231"/>
         </p:xfrm>
         <a:graphic>
           <a:graphicData uri="http://schemas.openxmlformats.org/drawingml/2006/table">
@@ -19323,28 +19328,28 @@
                 <a:tableStyleId>{72833802-FEF1-4C79-8D5D-14CF1EAF98D9}</a:tableStyleId>
               </a:tblPr>
               <a:tblGrid>
-                <a:gridCol w="2390155">
+                <a:gridCol w="2271698">
                   <a:extLst>
                     <a:ext uri="{9D8B030D-6E8A-4147-A177-3AD203B41FA5}">
                       <a16:colId xmlns:a16="http://schemas.microsoft.com/office/drawing/2014/main" val="2503901754"/>
                     </a:ext>
                   </a:extLst>
                 </a:gridCol>
-                <a:gridCol w="1416732">
+                <a:gridCol w="1346518">
                   <a:extLst>
                     <a:ext uri="{9D8B030D-6E8A-4147-A177-3AD203B41FA5}">
                       <a16:colId xmlns:a16="http://schemas.microsoft.com/office/drawing/2014/main" val="4277119959"/>
                     </a:ext>
                   </a:extLst>
                 </a:gridCol>
-                <a:gridCol w="949630">
+                <a:gridCol w="902566">
                   <a:extLst>
                     <a:ext uri="{9D8B030D-6E8A-4147-A177-3AD203B41FA5}">
                       <a16:colId xmlns:a16="http://schemas.microsoft.com/office/drawing/2014/main" val="766916923"/>
                     </a:ext>
                   </a:extLst>
                 </a:gridCol>
-                <a:gridCol w="930293">
+                <a:gridCol w="884187">
                   <a:extLst>
                     <a:ext uri="{9D8B030D-6E8A-4147-A177-3AD203B41FA5}">
                       <a16:colId xmlns:a16="http://schemas.microsoft.com/office/drawing/2014/main" val="1885289669"/>
@@ -19352,7 +19357,7 @@
                   </a:extLst>
                 </a:gridCol>
               </a:tblGrid>
-              <a:tr h="470692">
+              <a:tr h="547657">
                 <a:tc>
                   <a:txBody>
                     <a:bodyPr/>
@@ -19641,7 +19646,7 @@
                   </a:ext>
                 </a:extLst>
               </a:tr>
-              <a:tr h="470692">
+              <a:tr h="421545">
                 <a:tc>
                   <a:txBody>
                     <a:bodyPr/>
@@ -19900,7 +19905,7 @@
                   </a:ext>
                 </a:extLst>
               </a:tr>
-              <a:tr h="470692">
+              <a:tr h="421545">
                 <a:tc>
                   <a:txBody>
                     <a:bodyPr/>
@@ -20159,7 +20164,7 @@
                   </a:ext>
                 </a:extLst>
               </a:tr>
-              <a:tr h="470692">
+              <a:tr h="421545">
                 <a:tc>
                   <a:txBody>
                     <a:bodyPr/>
@@ -20410,7 +20415,7 @@
                   </a:ext>
                 </a:extLst>
               </a:tr>
-              <a:tr h="470692">
+              <a:tr h="421545">
                 <a:tc>
                   <a:txBody>
                     <a:bodyPr/>
@@ -20689,7 +20694,7 @@
                   </a:ext>
                 </a:extLst>
               </a:tr>
-              <a:tr h="470692">
+              <a:tr h="421545">
                 <a:tc>
                   <a:txBody>
                     <a:bodyPr/>
@@ -20972,6 +20977,42 @@
           </a:graphicData>
         </a:graphic>
       </p:graphicFrame>
+      <p:pic>
+        <p:nvPicPr>
+          <p:cNvPr id="5" name="Picture 4">
+            <a:extLst>
+              <a:ext uri="{FF2B5EF4-FFF2-40B4-BE49-F238E27FC236}">
+                <a16:creationId xmlns:a16="http://schemas.microsoft.com/office/drawing/2014/main" id="{79D53B27-E04B-3BD8-0DE2-CEB9009949B2}"/>
+              </a:ext>
+            </a:extLst>
+          </p:cNvPr>
+          <p:cNvPicPr>
+            <a:picLocks noChangeAspect="1"/>
+          </p:cNvPicPr>
+          <p:nvPr/>
+        </p:nvPicPr>
+        <p:blipFill>
+          <a:blip r:embed="rId2">
+            <a:extLst>
+              <a:ext uri="{28A0092B-C50C-407E-A947-70E740481C1C}">
+                <a14:useLocalDpi xmlns:a14="http://schemas.microsoft.com/office/drawing/2010/main" val="0"/>
+              </a:ext>
+            </a:extLst>
+          </a:blip>
+          <a:stretch>
+            <a:fillRect/>
+          </a:stretch>
+        </p:blipFill>
+        <p:spPr>
+          <a:xfrm>
+            <a:off x="550863" y="1178351"/>
+            <a:ext cx="4944964" cy="5230876"/>
+          </a:xfrm>
+          <a:prstGeom prst="rect">
+            <a:avLst/>
+          </a:prstGeom>
+        </p:spPr>
+      </p:pic>
     </p:spTree>
     <p:extLst>
       <p:ext uri="{BB962C8B-B14F-4D97-AF65-F5344CB8AC3E}">
@@ -23662,35 +23703,6 @@
 </file>
 
 <file path=customXml/item1.xml><?xml version="1.0" encoding="utf-8"?>
-<?mso-contentType ?>
-<FormTemplates xmlns="http://schemas.microsoft.com/sharepoint/v3/contenttype/forms">
-  <Display>DocumentLibraryForm</Display>
-  <Edit>DocumentLibraryForm</Edit>
-  <New>DocumentLibraryForm</New>
-</FormTemplates>
-</file>
-
-<file path=customXml/item2.xml><?xml version="1.0" encoding="utf-8"?>
-<p:properties xmlns:p="http://schemas.microsoft.com/office/2006/metadata/properties" xmlns:xsi="http://www.w3.org/2001/XMLSchema-instance" xmlns:pc="http://schemas.microsoft.com/office/infopath/2007/PartnerControls">
-  <documentManagement>
-    <_ip_UnifiedCompliancePolicyUIAction xmlns="http://schemas.microsoft.com/sharepoint/v3" xsi:nil="true"/>
-    <Image xmlns="71af3243-3dd4-4a8d-8c0d-dd76da1f02a5">
-      <Url xsi:nil="true"/>
-      <Description xsi:nil="true"/>
-    </Image>
-    <Status xmlns="71af3243-3dd4-4a8d-8c0d-dd76da1f02a5">Not started</Status>
-    <Background xmlns="71af3243-3dd4-4a8d-8c0d-dd76da1f02a5">false</Background>
-    <_ip_UnifiedCompliancePolicyProperties xmlns="http://schemas.microsoft.com/sharepoint/v3" xsi:nil="true"/>
-    <ImageTagsTaxHTField xmlns="71af3243-3dd4-4a8d-8c0d-dd76da1f02a5">
-      <Terms xmlns="http://schemas.microsoft.com/office/infopath/2007/PartnerControls"/>
-    </ImageTagsTaxHTField>
-    <TaxCatchAll xmlns="230e9df3-be65-4c73-a93b-d1236ebd677e" xsi:nil="true"/>
-    <MediaServiceKeyPoints xmlns="71af3243-3dd4-4a8d-8c0d-dd76da1f02a5" xsi:nil="true"/>
-  </documentManagement>
-</p:properties>
-</file>
-
-<file path=customXml/item3.xml><?xml version="1.0" encoding="utf-8"?>
 <ct:contentTypeSchema xmlns:ct="http://schemas.microsoft.com/office/2006/metadata/contentType" xmlns:ma="http://schemas.microsoft.com/office/2006/metadata/properties/metaAttributes" ct:_="" ma:_="" ma:contentTypeName="Document" ma:contentTypeID="0x01010079F111ED35F8CC479449609E8A0923A6" ma:contentTypeVersion="28" ma:contentTypeDescription="Create a new document." ma:contentTypeScope="" ma:versionID="60f5a4f2d2b0abadcf532d48ebf9cb71">
   <xsd:schema xmlns:xsd="http://www.w3.org/2001/XMLSchema" xmlns:xs="http://www.w3.org/2001/XMLSchema" xmlns:p="http://schemas.microsoft.com/office/2006/metadata/properties" xmlns:ns1="http://schemas.microsoft.com/sharepoint/v3" xmlns:ns2="71af3243-3dd4-4a8d-8c0d-dd76da1f02a5" xmlns:ns3="16c05727-aa75-4e4a-9b5f-8a80a1165891" xmlns:ns4="230e9df3-be65-4c73-a93b-d1236ebd677e" targetNamespace="http://schemas.microsoft.com/office/2006/metadata/properties" ma:root="true" ma:fieldsID="7dd78129e6a1811f84807ad11c651531" ns1:_="" ns2:_="" ns3:_="" ns4:_="">
     <xsd:import namespace="http://schemas.microsoft.com/sharepoint/v3"/>
@@ -24002,10 +24014,52 @@
 </ct:contentTypeSchema>
 </file>
 
+<file path=customXml/item2.xml><?xml version="1.0" encoding="utf-8"?>
+<p:properties xmlns:p="http://schemas.microsoft.com/office/2006/metadata/properties" xmlns:xsi="http://www.w3.org/2001/XMLSchema-instance" xmlns:pc="http://schemas.microsoft.com/office/infopath/2007/PartnerControls">
+  <documentManagement>
+    <_ip_UnifiedCompliancePolicyUIAction xmlns="http://schemas.microsoft.com/sharepoint/v3" xsi:nil="true"/>
+    <Image xmlns="71af3243-3dd4-4a8d-8c0d-dd76da1f02a5">
+      <Url xsi:nil="true"/>
+      <Description xsi:nil="true"/>
+    </Image>
+    <Status xmlns="71af3243-3dd4-4a8d-8c0d-dd76da1f02a5">Not started</Status>
+    <Background xmlns="71af3243-3dd4-4a8d-8c0d-dd76da1f02a5">false</Background>
+    <_ip_UnifiedCompliancePolicyProperties xmlns="http://schemas.microsoft.com/sharepoint/v3" xsi:nil="true"/>
+    <ImageTagsTaxHTField xmlns="71af3243-3dd4-4a8d-8c0d-dd76da1f02a5">
+      <Terms xmlns="http://schemas.microsoft.com/office/infopath/2007/PartnerControls"/>
+    </ImageTagsTaxHTField>
+    <TaxCatchAll xmlns="230e9df3-be65-4c73-a93b-d1236ebd677e" xsi:nil="true"/>
+    <MediaServiceKeyPoints xmlns="71af3243-3dd4-4a8d-8c0d-dd76da1f02a5" xsi:nil="true"/>
+  </documentManagement>
+</p:properties>
+</file>
+
+<file path=customXml/item3.xml><?xml version="1.0" encoding="utf-8"?>
+<?mso-contentType ?>
+<FormTemplates xmlns="http://schemas.microsoft.com/sharepoint/v3/contenttype/forms">
+  <Display>DocumentLibraryForm</Display>
+  <Edit>DocumentLibraryForm</Edit>
+  <New>DocumentLibraryForm</New>
+</FormTemplates>
+</file>
+
 <file path=customXml/itemProps1.xml><?xml version="1.0" encoding="utf-8"?>
-<ds:datastoreItem xmlns:ds="http://schemas.openxmlformats.org/officeDocument/2006/customXml" ds:itemID="{2F49CD38-5B57-4682-9FCE-B9174068D0AE}">
+<ds:datastoreItem xmlns:ds="http://schemas.openxmlformats.org/officeDocument/2006/customXml" ds:itemID="{797783A8-901D-4F73-81D7-AA6841BEB3D7}">
   <ds:schemaRefs>
-    <ds:schemaRef ds:uri="http://schemas.microsoft.com/sharepoint/v3/contenttype/forms"/>
+    <ds:schemaRef ds:uri="http://schemas.microsoft.com/office/2006/metadata/contentType"/>
+    <ds:schemaRef ds:uri="http://schemas.microsoft.com/office/2006/metadata/properties/metaAttributes"/>
+    <ds:schemaRef ds:uri="http://www.w3.org/2001/XMLSchema"/>
+    <ds:schemaRef ds:uri="http://schemas.microsoft.com/office/2006/metadata/properties"/>
+    <ds:schemaRef ds:uri="http://schemas.microsoft.com/sharepoint/v3"/>
+    <ds:schemaRef ds:uri="71af3243-3dd4-4a8d-8c0d-dd76da1f02a5"/>
+    <ds:schemaRef ds:uri="16c05727-aa75-4e4a-9b5f-8a80a1165891"/>
+    <ds:schemaRef ds:uri="230e9df3-be65-4c73-a93b-d1236ebd677e"/>
+    <ds:schemaRef ds:uri="http://schemas.microsoft.com/office/2006/documentManagement/types"/>
+    <ds:schemaRef ds:uri="http://schemas.microsoft.com/office/infopath/2007/PartnerControls"/>
+    <ds:schemaRef ds:uri="http://schemas.openxmlformats.org/package/2006/metadata/core-properties"/>
+    <ds:schemaRef ds:uri="http://purl.org/dc/elements/1.1/"/>
+    <ds:schemaRef ds:uri="http://purl.org/dc/terms/"/>
+    <ds:schemaRef ds:uri="http://schemas.microsoft.com/internal/obd"/>
   </ds:schemaRefs>
 </ds:datastoreItem>
 </file>
@@ -24030,22 +24084,9 @@
 </file>
 
 <file path=customXml/itemProps3.xml><?xml version="1.0" encoding="utf-8"?>
-<ds:datastoreItem xmlns:ds="http://schemas.openxmlformats.org/officeDocument/2006/customXml" ds:itemID="{797783A8-901D-4F73-81D7-AA6841BEB3D7}">
+<ds:datastoreItem xmlns:ds="http://schemas.openxmlformats.org/officeDocument/2006/customXml" ds:itemID="{2F49CD38-5B57-4682-9FCE-B9174068D0AE}">
   <ds:schemaRefs>
-    <ds:schemaRef ds:uri="http://schemas.microsoft.com/office/2006/metadata/contentType"/>
-    <ds:schemaRef ds:uri="http://schemas.microsoft.com/office/2006/metadata/properties/metaAttributes"/>
-    <ds:schemaRef ds:uri="http://www.w3.org/2001/XMLSchema"/>
-    <ds:schemaRef ds:uri="http://schemas.microsoft.com/office/2006/metadata/properties"/>
-    <ds:schemaRef ds:uri="http://schemas.microsoft.com/sharepoint/v3"/>
-    <ds:schemaRef ds:uri="71af3243-3dd4-4a8d-8c0d-dd76da1f02a5"/>
-    <ds:schemaRef ds:uri="16c05727-aa75-4e4a-9b5f-8a80a1165891"/>
-    <ds:schemaRef ds:uri="230e9df3-be65-4c73-a93b-d1236ebd677e"/>
-    <ds:schemaRef ds:uri="http://schemas.microsoft.com/office/2006/documentManagement/types"/>
-    <ds:schemaRef ds:uri="http://schemas.microsoft.com/office/infopath/2007/PartnerControls"/>
-    <ds:schemaRef ds:uri="http://schemas.openxmlformats.org/package/2006/metadata/core-properties"/>
-    <ds:schemaRef ds:uri="http://purl.org/dc/elements/1.1/"/>
-    <ds:schemaRef ds:uri="http://purl.org/dc/terms/"/>
-    <ds:schemaRef ds:uri="http://schemas.microsoft.com/internal/obd"/>
+    <ds:schemaRef ds:uri="http://schemas.microsoft.com/sharepoint/v3/contenttype/forms"/>
   </ds:schemaRefs>
 </ds:datastoreItem>
 </file>

--- a/Report.pptx
+++ b/Report.pptx
@@ -247,7 +247,7 @@
           <a:p>
             <a:fld id="{717BC71B-6527-4638-937B-C93EB849CB02}" type="datetimeFigureOut">
               <a:rPr lang="en-US" smtClean="0"/>
-              <a:t>4/23/2024</a:t>
+              <a:t>4/24/2024</a:t>
             </a:fld>
             <a:endParaRPr lang="en-US" dirty="0"/>
           </a:p>
@@ -424,7 +424,7 @@
           <a:p>
             <a:fld id="{425465A2-8C9C-419F-9FD8-234480873777}" type="datetimeFigureOut">
               <a:rPr lang="en-US" smtClean="0"/>
-              <a:t>4/23/2024</a:t>
+              <a:t>4/24/2024</a:t>
             </a:fld>
             <a:endParaRPr lang="en-US" dirty="0"/>
           </a:p>
@@ -19123,7 +19123,7 @@
           <a:p>
             <a:r>
               <a:rPr lang="en-US" dirty="0"/>
-              <a:t>Adam was used as the optimizer and Sparse Categorical Cross-entropy was used as the loss function.</a:t>
+              <a:t>Adam was used as the optimizer and Binary Cross-entropy was used as the loss function.</a:t>
             </a:r>
           </a:p>
           <a:p>
@@ -23703,6 +23703,35 @@
 </file>
 
 <file path=customXml/item1.xml><?xml version="1.0" encoding="utf-8"?>
+<?mso-contentType ?>
+<FormTemplates xmlns="http://schemas.microsoft.com/sharepoint/v3/contenttype/forms">
+  <Display>DocumentLibraryForm</Display>
+  <Edit>DocumentLibraryForm</Edit>
+  <New>DocumentLibraryForm</New>
+</FormTemplates>
+</file>
+
+<file path=customXml/item2.xml><?xml version="1.0" encoding="utf-8"?>
+<p:properties xmlns:p="http://schemas.microsoft.com/office/2006/metadata/properties" xmlns:xsi="http://www.w3.org/2001/XMLSchema-instance" xmlns:pc="http://schemas.microsoft.com/office/infopath/2007/PartnerControls">
+  <documentManagement>
+    <_ip_UnifiedCompliancePolicyUIAction xmlns="http://schemas.microsoft.com/sharepoint/v3" xsi:nil="true"/>
+    <Image xmlns="71af3243-3dd4-4a8d-8c0d-dd76da1f02a5">
+      <Url xsi:nil="true"/>
+      <Description xsi:nil="true"/>
+    </Image>
+    <Status xmlns="71af3243-3dd4-4a8d-8c0d-dd76da1f02a5">Not started</Status>
+    <Background xmlns="71af3243-3dd4-4a8d-8c0d-dd76da1f02a5">false</Background>
+    <_ip_UnifiedCompliancePolicyProperties xmlns="http://schemas.microsoft.com/sharepoint/v3" xsi:nil="true"/>
+    <ImageTagsTaxHTField xmlns="71af3243-3dd4-4a8d-8c0d-dd76da1f02a5">
+      <Terms xmlns="http://schemas.microsoft.com/office/infopath/2007/PartnerControls"/>
+    </ImageTagsTaxHTField>
+    <TaxCatchAll xmlns="230e9df3-be65-4c73-a93b-d1236ebd677e" xsi:nil="true"/>
+    <MediaServiceKeyPoints xmlns="71af3243-3dd4-4a8d-8c0d-dd76da1f02a5" xsi:nil="true"/>
+  </documentManagement>
+</p:properties>
+</file>
+
+<file path=customXml/item3.xml><?xml version="1.0" encoding="utf-8"?>
 <ct:contentTypeSchema xmlns:ct="http://schemas.microsoft.com/office/2006/metadata/contentType" xmlns:ma="http://schemas.microsoft.com/office/2006/metadata/properties/metaAttributes" ct:_="" ma:_="" ma:contentTypeName="Document" ma:contentTypeID="0x01010079F111ED35F8CC479449609E8A0923A6" ma:contentTypeVersion="28" ma:contentTypeDescription="Create a new document." ma:contentTypeScope="" ma:versionID="60f5a4f2d2b0abadcf532d48ebf9cb71">
   <xsd:schema xmlns:xsd="http://www.w3.org/2001/XMLSchema" xmlns:xs="http://www.w3.org/2001/XMLSchema" xmlns:p="http://schemas.microsoft.com/office/2006/metadata/properties" xmlns:ns1="http://schemas.microsoft.com/sharepoint/v3" xmlns:ns2="71af3243-3dd4-4a8d-8c0d-dd76da1f02a5" xmlns:ns3="16c05727-aa75-4e4a-9b5f-8a80a1165891" xmlns:ns4="230e9df3-be65-4c73-a93b-d1236ebd677e" targetNamespace="http://schemas.microsoft.com/office/2006/metadata/properties" ma:root="true" ma:fieldsID="7dd78129e6a1811f84807ad11c651531" ns1:_="" ns2:_="" ns3:_="" ns4:_="">
     <xsd:import namespace="http://schemas.microsoft.com/sharepoint/v3"/>
@@ -24014,52 +24043,10 @@
 </ct:contentTypeSchema>
 </file>
 
-<file path=customXml/item2.xml><?xml version="1.0" encoding="utf-8"?>
-<p:properties xmlns:p="http://schemas.microsoft.com/office/2006/metadata/properties" xmlns:xsi="http://www.w3.org/2001/XMLSchema-instance" xmlns:pc="http://schemas.microsoft.com/office/infopath/2007/PartnerControls">
-  <documentManagement>
-    <_ip_UnifiedCompliancePolicyUIAction xmlns="http://schemas.microsoft.com/sharepoint/v3" xsi:nil="true"/>
-    <Image xmlns="71af3243-3dd4-4a8d-8c0d-dd76da1f02a5">
-      <Url xsi:nil="true"/>
-      <Description xsi:nil="true"/>
-    </Image>
-    <Status xmlns="71af3243-3dd4-4a8d-8c0d-dd76da1f02a5">Not started</Status>
-    <Background xmlns="71af3243-3dd4-4a8d-8c0d-dd76da1f02a5">false</Background>
-    <_ip_UnifiedCompliancePolicyProperties xmlns="http://schemas.microsoft.com/sharepoint/v3" xsi:nil="true"/>
-    <ImageTagsTaxHTField xmlns="71af3243-3dd4-4a8d-8c0d-dd76da1f02a5">
-      <Terms xmlns="http://schemas.microsoft.com/office/infopath/2007/PartnerControls"/>
-    </ImageTagsTaxHTField>
-    <TaxCatchAll xmlns="230e9df3-be65-4c73-a93b-d1236ebd677e" xsi:nil="true"/>
-    <MediaServiceKeyPoints xmlns="71af3243-3dd4-4a8d-8c0d-dd76da1f02a5" xsi:nil="true"/>
-  </documentManagement>
-</p:properties>
-</file>
-
-<file path=customXml/item3.xml><?xml version="1.0" encoding="utf-8"?>
-<?mso-contentType ?>
-<FormTemplates xmlns="http://schemas.microsoft.com/sharepoint/v3/contenttype/forms">
-  <Display>DocumentLibraryForm</Display>
-  <Edit>DocumentLibraryForm</Edit>
-  <New>DocumentLibraryForm</New>
-</FormTemplates>
-</file>
-
 <file path=customXml/itemProps1.xml><?xml version="1.0" encoding="utf-8"?>
-<ds:datastoreItem xmlns:ds="http://schemas.openxmlformats.org/officeDocument/2006/customXml" ds:itemID="{797783A8-901D-4F73-81D7-AA6841BEB3D7}">
+<ds:datastoreItem xmlns:ds="http://schemas.openxmlformats.org/officeDocument/2006/customXml" ds:itemID="{2F49CD38-5B57-4682-9FCE-B9174068D0AE}">
   <ds:schemaRefs>
-    <ds:schemaRef ds:uri="http://schemas.microsoft.com/office/2006/metadata/contentType"/>
-    <ds:schemaRef ds:uri="http://schemas.microsoft.com/office/2006/metadata/properties/metaAttributes"/>
-    <ds:schemaRef ds:uri="http://www.w3.org/2001/XMLSchema"/>
-    <ds:schemaRef ds:uri="http://schemas.microsoft.com/office/2006/metadata/properties"/>
-    <ds:schemaRef ds:uri="http://schemas.microsoft.com/sharepoint/v3"/>
-    <ds:schemaRef ds:uri="71af3243-3dd4-4a8d-8c0d-dd76da1f02a5"/>
-    <ds:schemaRef ds:uri="16c05727-aa75-4e4a-9b5f-8a80a1165891"/>
-    <ds:schemaRef ds:uri="230e9df3-be65-4c73-a93b-d1236ebd677e"/>
-    <ds:schemaRef ds:uri="http://schemas.microsoft.com/office/2006/documentManagement/types"/>
-    <ds:schemaRef ds:uri="http://schemas.microsoft.com/office/infopath/2007/PartnerControls"/>
-    <ds:schemaRef ds:uri="http://schemas.openxmlformats.org/package/2006/metadata/core-properties"/>
-    <ds:schemaRef ds:uri="http://purl.org/dc/elements/1.1/"/>
-    <ds:schemaRef ds:uri="http://purl.org/dc/terms/"/>
-    <ds:schemaRef ds:uri="http://schemas.microsoft.com/internal/obd"/>
+    <ds:schemaRef ds:uri="http://schemas.microsoft.com/sharepoint/v3/contenttype/forms"/>
   </ds:schemaRefs>
 </ds:datastoreItem>
 </file>
@@ -24084,9 +24071,22 @@
 </file>
 
 <file path=customXml/itemProps3.xml><?xml version="1.0" encoding="utf-8"?>
-<ds:datastoreItem xmlns:ds="http://schemas.openxmlformats.org/officeDocument/2006/customXml" ds:itemID="{2F49CD38-5B57-4682-9FCE-B9174068D0AE}">
+<ds:datastoreItem xmlns:ds="http://schemas.openxmlformats.org/officeDocument/2006/customXml" ds:itemID="{797783A8-901D-4F73-81D7-AA6841BEB3D7}">
   <ds:schemaRefs>
-    <ds:schemaRef ds:uri="http://schemas.microsoft.com/sharepoint/v3/contenttype/forms"/>
+    <ds:schemaRef ds:uri="http://schemas.microsoft.com/office/2006/metadata/contentType"/>
+    <ds:schemaRef ds:uri="http://schemas.microsoft.com/office/2006/metadata/properties/metaAttributes"/>
+    <ds:schemaRef ds:uri="http://www.w3.org/2001/XMLSchema"/>
+    <ds:schemaRef ds:uri="http://schemas.microsoft.com/office/2006/metadata/properties"/>
+    <ds:schemaRef ds:uri="http://schemas.microsoft.com/sharepoint/v3"/>
+    <ds:schemaRef ds:uri="71af3243-3dd4-4a8d-8c0d-dd76da1f02a5"/>
+    <ds:schemaRef ds:uri="16c05727-aa75-4e4a-9b5f-8a80a1165891"/>
+    <ds:schemaRef ds:uri="230e9df3-be65-4c73-a93b-d1236ebd677e"/>
+    <ds:schemaRef ds:uri="http://schemas.microsoft.com/office/2006/documentManagement/types"/>
+    <ds:schemaRef ds:uri="http://schemas.microsoft.com/office/infopath/2007/PartnerControls"/>
+    <ds:schemaRef ds:uri="http://schemas.openxmlformats.org/package/2006/metadata/core-properties"/>
+    <ds:schemaRef ds:uri="http://purl.org/dc/elements/1.1/"/>
+    <ds:schemaRef ds:uri="http://purl.org/dc/terms/"/>
+    <ds:schemaRef ds:uri="http://schemas.microsoft.com/internal/obd"/>
   </ds:schemaRefs>
 </ds:datastoreItem>
 </file>
